--- a/File/AMAT 履歷/AMT Interview_陳文遠.pptx
+++ b/File/AMAT 履歷/AMT Interview_陳文遠.pptx
@@ -215,7 +215,7 @@
           <a:p>
             <a:fld id="{55CF3932-7772-4AB3-A362-B9C8C6746130}" type="datetimeFigureOut">
               <a:rPr lang="zh-TW" altLang="en-US" smtClean="0"/>
-              <a:t>2020/3/25</a:t>
+              <a:t>2020/6/8</a:t>
             </a:fld>
             <a:endParaRPr lang="zh-TW" altLang="en-US"/>
           </a:p>
@@ -614,7 +614,7 @@
           <a:p>
             <a:fld id="{31CF88D8-AE24-47E4-BAB9-95F05DE77FAB}" type="datetime1">
               <a:rPr lang="zh-TW" altLang="en-US" smtClean="0"/>
-              <a:t>2020/3/25</a:t>
+              <a:t>2020/6/8</a:t>
             </a:fld>
             <a:endParaRPr lang="zh-TW" altLang="en-US"/>
           </a:p>
@@ -784,7 +784,7 @@
           <a:p>
             <a:fld id="{FF46934C-2676-4632-AEAB-DADDCA884CE5}" type="datetime1">
               <a:rPr lang="zh-TW" altLang="en-US" smtClean="0"/>
-              <a:t>2020/3/25</a:t>
+              <a:t>2020/6/8</a:t>
             </a:fld>
             <a:endParaRPr lang="zh-TW" altLang="en-US"/>
           </a:p>
@@ -964,7 +964,7 @@
           <a:p>
             <a:fld id="{2907B8CE-1E73-4DA7-B256-D73FD6B96276}" type="datetime1">
               <a:rPr lang="zh-TW" altLang="en-US" smtClean="0"/>
-              <a:t>2020/3/25</a:t>
+              <a:t>2020/6/8</a:t>
             </a:fld>
             <a:endParaRPr lang="zh-TW" altLang="en-US"/>
           </a:p>
@@ -1134,7 +1134,7 @@
           <a:p>
             <a:fld id="{91FCBFF8-5B3A-4887-82CB-1E96F4A704C1}" type="datetime1">
               <a:rPr lang="zh-TW" altLang="en-US" smtClean="0"/>
-              <a:t>2020/3/25</a:t>
+              <a:t>2020/6/8</a:t>
             </a:fld>
             <a:endParaRPr lang="zh-TW" altLang="en-US"/>
           </a:p>
@@ -1380,7 +1380,7 @@
           <a:p>
             <a:fld id="{4C578984-D65D-4002-8623-71BB4A2ACFCF}" type="datetime1">
               <a:rPr lang="zh-TW" altLang="en-US" smtClean="0"/>
-              <a:t>2020/3/25</a:t>
+              <a:t>2020/6/8</a:t>
             </a:fld>
             <a:endParaRPr lang="zh-TW" altLang="en-US"/>
           </a:p>
@@ -1612,7 +1612,7 @@
           <a:p>
             <a:fld id="{BC27FA61-878B-459B-83E3-FB136B38AA93}" type="datetime1">
               <a:rPr lang="zh-TW" altLang="en-US" smtClean="0"/>
-              <a:t>2020/3/25</a:t>
+              <a:t>2020/6/8</a:t>
             </a:fld>
             <a:endParaRPr lang="zh-TW" altLang="en-US"/>
           </a:p>
@@ -1979,7 +1979,7 @@
           <a:p>
             <a:fld id="{236199BA-43B6-42AF-BAD0-22375AFA9BF6}" type="datetime1">
               <a:rPr lang="zh-TW" altLang="en-US" smtClean="0"/>
-              <a:t>2020/3/25</a:t>
+              <a:t>2020/6/8</a:t>
             </a:fld>
             <a:endParaRPr lang="zh-TW" altLang="en-US"/>
           </a:p>
@@ -2097,7 +2097,7 @@
           <a:p>
             <a:fld id="{385C9D49-003E-4DFB-9EC7-4C6A68461C20}" type="datetime1">
               <a:rPr lang="zh-TW" altLang="en-US" smtClean="0"/>
-              <a:t>2020/3/25</a:t>
+              <a:t>2020/6/8</a:t>
             </a:fld>
             <a:endParaRPr lang="zh-TW" altLang="en-US"/>
           </a:p>
@@ -2192,7 +2192,7 @@
           <a:p>
             <a:fld id="{3D660903-FB2F-4CB0-BF3D-5DF021C17151}" type="datetime1">
               <a:rPr lang="zh-TW" altLang="en-US" smtClean="0"/>
-              <a:t>2020/3/25</a:t>
+              <a:t>2020/6/8</a:t>
             </a:fld>
             <a:endParaRPr lang="zh-TW" altLang="en-US"/>
           </a:p>
@@ -2469,7 +2469,7 @@
           <a:p>
             <a:fld id="{A20EC095-FAEA-4E30-A2F8-63173B42D09F}" type="datetime1">
               <a:rPr lang="zh-TW" altLang="en-US" smtClean="0"/>
-              <a:t>2020/3/25</a:t>
+              <a:t>2020/6/8</a:t>
             </a:fld>
             <a:endParaRPr lang="zh-TW" altLang="en-US"/>
           </a:p>
@@ -2722,7 +2722,7 @@
           <a:p>
             <a:fld id="{52810A98-41BD-43FF-8C39-DC838327255D}" type="datetime1">
               <a:rPr lang="zh-TW" altLang="en-US" smtClean="0"/>
-              <a:t>2020/3/25</a:t>
+              <a:t>2020/6/8</a:t>
             </a:fld>
             <a:endParaRPr lang="zh-TW" altLang="en-US"/>
           </a:p>
@@ -2935,7 +2935,7 @@
           <a:p>
             <a:fld id="{0F79EAB4-30F1-46C1-9EBA-2EBE90F37C58}" type="datetime1">
               <a:rPr lang="zh-TW" altLang="en-US" smtClean="0"/>
-              <a:t>2020/3/25</a:t>
+              <a:t>2020/6/8</a:t>
             </a:fld>
             <a:endParaRPr lang="zh-TW" altLang="en-US"/>
           </a:p>
@@ -3445,7 +3445,7 @@
         </p:nvSpPr>
         <p:spPr>
           <a:xfrm>
-            <a:off x="3939096" y="4332515"/>
+            <a:off x="3065793" y="3738019"/>
             <a:ext cx="6197682" cy="1537063"/>
           </a:xfrm>
           <a:prstGeom prst="rect">
@@ -4148,13 +4148,7 @@
               <a:rPr lang="en-US" altLang="zh-TW" dirty="0" smtClean="0">
                 <a:latin typeface="Georgia" panose="02040502050405020303" pitchFamily="18" charset="0"/>
               </a:rPr>
-              <a:t> is a kind of decentralized</a:t>
-            </a:r>
-            <a:r>
-              <a:rPr lang="en-US" altLang="zh-TW" dirty="0" smtClean="0">
-                <a:latin typeface="Georgia" panose="02040502050405020303" pitchFamily="18" charset="0"/>
-              </a:rPr>
-              <a:t> database.</a:t>
+              <a:t> is a kind of decentralized database.</a:t>
             </a:r>
             <a:endParaRPr lang="zh-TW" altLang="en-US" dirty="0">
               <a:latin typeface="Georgia" panose="02040502050405020303" pitchFamily="18" charset="0"/>
@@ -10180,19 +10174,7 @@
               <a:rPr lang="en-US" altLang="zh-TW" dirty="0" smtClean="0">
                 <a:latin typeface="Georgia" panose="02040502050405020303" pitchFamily="18" charset="0"/>
               </a:rPr>
-              <a:t>With this, we can keep the data secure while having </a:t>
-            </a:r>
-            <a:r>
-              <a:rPr lang="en-US" altLang="zh-TW" dirty="0" smtClean="0">
-                <a:latin typeface="Georgia" panose="02040502050405020303" pitchFamily="18" charset="0"/>
-              </a:rPr>
-              <a:t>faster </a:t>
-            </a:r>
-            <a:r>
-              <a:rPr lang="en-US" altLang="zh-TW" dirty="0" smtClean="0">
-                <a:latin typeface="Georgia" panose="02040502050405020303" pitchFamily="18" charset="0"/>
-              </a:rPr>
-              <a:t>query speed.</a:t>
+              <a:t>With this, we can keep the data secure while having faster query speed.</a:t>
             </a:r>
             <a:endParaRPr lang="zh-TW" altLang="en-US" dirty="0">
               <a:latin typeface="Georgia" panose="02040502050405020303" pitchFamily="18" charset="0"/>
